--- a/Final_project.pptx
+++ b/Final_project.pptx
@@ -109,6 +109,11 @@
       </a:defRPr>
     </a:lvl9pPr>
   </p:defaultTextStyle>
+  <p:extLst>
+    <p:ext uri="{EFAFB233-063F-42B5-8137-9DF3F51BA10A}">
+      <p15:sldGuideLst xmlns:p15="http://schemas.microsoft.com/office/powerpoint/2012/main"/>
+    </p:ext>
+  </p:extLst>
 </p:presentation>
 </file>
 
@@ -242,7 +247,7 @@
           </a:lstStyle>
           <a:p>
             <a:r>
-              <a:rPr lang="en-US" smtClean="0"/>
+              <a:rPr lang="en-US"/>
               <a:t>Click to edit Master title style</a:t>
             </a:r>
             <a:endParaRPr lang="en-US" dirty="0"/>
@@ -314,7 +319,7 @@
           </a:lstStyle>
           <a:p>
             <a:r>
-              <a:rPr lang="en-US" smtClean="0"/>
+              <a:rPr lang="en-US"/>
               <a:t>Click to edit Master subtitle style</a:t>
             </a:r>
             <a:endParaRPr lang="en-US" dirty="0"/>
@@ -338,7 +343,7 @@
           <a:p>
             <a:fld id="{4BDF68E2-58F2-4D09-BE8B-E3BD06533059}" type="datetimeFigureOut">
               <a:rPr lang="en-US" dirty="0"/>
-              <a:t>4/26/17</a:t>
+              <a:t>4/25/2017</a:t>
             </a:fld>
             <a:endParaRPr lang="en-US" dirty="0"/>
           </a:p>
@@ -465,7 +470,7 @@
           <a:lstStyle/>
           <a:p>
             <a:r>
-              <a:rPr lang="en-US" smtClean="0"/>
+              <a:rPr lang="en-US"/>
               <a:t>Click to edit Master title style</a:t>
             </a:r>
             <a:endParaRPr lang="en-US" dirty="0"/>
@@ -489,35 +494,35 @@
           <a:p>
             <a:pPr lvl="0"/>
             <a:r>
-              <a:rPr lang="en-US" smtClean="0"/>
+              <a:rPr lang="en-US"/>
               <a:t>Click to edit Master text styles</a:t>
             </a:r>
           </a:p>
           <a:p>
             <a:pPr lvl="1"/>
             <a:r>
-              <a:rPr lang="en-US" smtClean="0"/>
+              <a:rPr lang="en-US"/>
               <a:t>Second level</a:t>
             </a:r>
           </a:p>
           <a:p>
             <a:pPr lvl="2"/>
             <a:r>
-              <a:rPr lang="en-US" smtClean="0"/>
+              <a:rPr lang="en-US"/>
               <a:t>Third level</a:t>
             </a:r>
           </a:p>
           <a:p>
             <a:pPr lvl="3"/>
             <a:r>
-              <a:rPr lang="en-US" smtClean="0"/>
+              <a:rPr lang="en-US"/>
               <a:t>Fourth level</a:t>
             </a:r>
           </a:p>
           <a:p>
             <a:pPr lvl="4"/>
             <a:r>
-              <a:rPr lang="en-US" smtClean="0"/>
+              <a:rPr lang="en-US"/>
               <a:t>Fifth level</a:t>
             </a:r>
             <a:endParaRPr lang="en-US" dirty="0"/>
@@ -541,7 +546,7 @@
           <a:p>
             <a:fld id="{2E2D6473-DF6D-4702-B328-E0DD40540A4E}" type="datetimeFigureOut">
               <a:rPr lang="en-US" dirty="0"/>
-              <a:t>4/26/17</a:t>
+              <a:t>4/25/2017</a:t>
             </a:fld>
             <a:endParaRPr lang="en-US" dirty="0"/>
           </a:p>
@@ -711,7 +716,7 @@
           <a:lstStyle/>
           <a:p>
             <a:r>
-              <a:rPr lang="en-US" smtClean="0"/>
+              <a:rPr lang="en-US"/>
               <a:t>Click to edit Master title style</a:t>
             </a:r>
             <a:endParaRPr lang="en-US" dirty="0"/>
@@ -740,35 +745,35 @@
           <a:p>
             <a:pPr lvl="0"/>
             <a:r>
-              <a:rPr lang="en-US" smtClean="0"/>
+              <a:rPr lang="en-US"/>
               <a:t>Click to edit Master text styles</a:t>
             </a:r>
           </a:p>
           <a:p>
             <a:pPr lvl="1"/>
             <a:r>
-              <a:rPr lang="en-US" smtClean="0"/>
+              <a:rPr lang="en-US"/>
               <a:t>Second level</a:t>
             </a:r>
           </a:p>
           <a:p>
             <a:pPr lvl="2"/>
             <a:r>
-              <a:rPr lang="en-US" smtClean="0"/>
+              <a:rPr lang="en-US"/>
               <a:t>Third level</a:t>
             </a:r>
           </a:p>
           <a:p>
             <a:pPr lvl="3"/>
             <a:r>
-              <a:rPr lang="en-US" smtClean="0"/>
+              <a:rPr lang="en-US"/>
               <a:t>Fourth level</a:t>
             </a:r>
           </a:p>
           <a:p>
             <a:pPr lvl="4"/>
             <a:r>
-              <a:rPr lang="en-US" smtClean="0"/>
+              <a:rPr lang="en-US"/>
               <a:t>Fifth level</a:t>
             </a:r>
             <a:endParaRPr lang="en-US" dirty="0"/>
@@ -792,7 +797,7 @@
           <a:p>
             <a:fld id="{E26F7E3A-B166-407D-9866-32884E7D5B37}" type="datetimeFigureOut">
               <a:rPr lang="en-US" dirty="0"/>
-              <a:t>4/26/17</a:t>
+              <a:t>4/25/2017</a:t>
             </a:fld>
             <a:endParaRPr lang="en-US" dirty="0"/>
           </a:p>
@@ -885,7 +890,7 @@
           </a:lstStyle>
           <a:p>
             <a:r>
-              <a:rPr lang="en-US" smtClean="0"/>
+              <a:rPr lang="en-US"/>
               <a:t>Click to edit Master title style</a:t>
             </a:r>
             <a:endParaRPr lang="en-US" dirty="0"/>
@@ -909,35 +914,35 @@
           <a:p>
             <a:pPr lvl="0"/>
             <a:r>
-              <a:rPr lang="en-US" smtClean="0"/>
+              <a:rPr lang="en-US"/>
               <a:t>Click to edit Master text styles</a:t>
             </a:r>
           </a:p>
           <a:p>
             <a:pPr lvl="1"/>
             <a:r>
-              <a:rPr lang="en-US" smtClean="0"/>
+              <a:rPr lang="en-US"/>
               <a:t>Second level</a:t>
             </a:r>
           </a:p>
           <a:p>
             <a:pPr lvl="2"/>
             <a:r>
-              <a:rPr lang="en-US" smtClean="0"/>
+              <a:rPr lang="en-US"/>
               <a:t>Third level</a:t>
             </a:r>
           </a:p>
           <a:p>
             <a:pPr lvl="3"/>
             <a:r>
-              <a:rPr lang="en-US" smtClean="0"/>
+              <a:rPr lang="en-US"/>
               <a:t>Fourth level</a:t>
             </a:r>
           </a:p>
           <a:p>
             <a:pPr lvl="4"/>
             <a:r>
-              <a:rPr lang="en-US" smtClean="0"/>
+              <a:rPr lang="en-US"/>
               <a:t>Fifth level</a:t>
             </a:r>
             <a:endParaRPr lang="en-US" dirty="0"/>
@@ -961,7 +966,7 @@
           <a:p>
             <a:fld id="{528FC5F6-F338-4AE4-BB23-26385BCFC423}" type="datetimeFigureOut">
               <a:rPr lang="en-US" dirty="0"/>
-              <a:t>4/26/17</a:t>
+              <a:t>4/25/2017</a:t>
             </a:fld>
             <a:endParaRPr lang="en-US" dirty="0"/>
           </a:p>
@@ -1155,7 +1160,7 @@
           </a:lstStyle>
           <a:p>
             <a:r>
-              <a:rPr lang="en-US" smtClean="0"/>
+              <a:rPr lang="en-US"/>
               <a:t>Click to edit Master title style</a:t>
             </a:r>
             <a:endParaRPr lang="en-US" dirty="0"/>
@@ -1276,7 +1281,7 @@
           <a:p>
             <a:pPr lvl="0"/>
             <a:r>
-              <a:rPr lang="en-US" smtClean="0"/>
+              <a:rPr lang="en-US"/>
               <a:t>Click to edit Master text styles</a:t>
             </a:r>
           </a:p>
@@ -1299,7 +1304,7 @@
           <a:p>
             <a:fld id="{20EBB0C4-6273-4C6E-B9BD-2EDC30F1CD52}" type="datetimeFigureOut">
               <a:rPr lang="en-US" dirty="0"/>
-              <a:t>4/26/17</a:t>
+              <a:t>4/25/2017</a:t>
             </a:fld>
             <a:endParaRPr lang="en-US" dirty="0"/>
           </a:p>
@@ -1431,7 +1436,7 @@
           <a:lstStyle/>
           <a:p>
             <a:r>
-              <a:rPr lang="en-US" smtClean="0"/>
+              <a:rPr lang="en-US"/>
               <a:t>Click to edit Master title style</a:t>
             </a:r>
             <a:endParaRPr lang="en-US" dirty="0"/>
@@ -1460,35 +1465,35 @@
           <a:p>
             <a:pPr lvl="0"/>
             <a:r>
-              <a:rPr lang="en-US" smtClean="0"/>
+              <a:rPr lang="en-US"/>
               <a:t>Click to edit Master text styles</a:t>
             </a:r>
           </a:p>
           <a:p>
             <a:pPr lvl="1"/>
             <a:r>
-              <a:rPr lang="en-US" smtClean="0"/>
+              <a:rPr lang="en-US"/>
               <a:t>Second level</a:t>
             </a:r>
           </a:p>
           <a:p>
             <a:pPr lvl="2"/>
             <a:r>
-              <a:rPr lang="en-US" smtClean="0"/>
+              <a:rPr lang="en-US"/>
               <a:t>Third level</a:t>
             </a:r>
           </a:p>
           <a:p>
             <a:pPr lvl="3"/>
             <a:r>
-              <a:rPr lang="en-US" smtClean="0"/>
+              <a:rPr lang="en-US"/>
               <a:t>Fourth level</a:t>
             </a:r>
           </a:p>
           <a:p>
             <a:pPr lvl="4"/>
             <a:r>
-              <a:rPr lang="en-US" smtClean="0"/>
+              <a:rPr lang="en-US"/>
               <a:t>Fifth level</a:t>
             </a:r>
             <a:endParaRPr lang="en-US" dirty="0"/>
@@ -1517,35 +1522,35 @@
           <a:p>
             <a:pPr lvl="0"/>
             <a:r>
-              <a:rPr lang="en-US" smtClean="0"/>
+              <a:rPr lang="en-US"/>
               <a:t>Click to edit Master text styles</a:t>
             </a:r>
           </a:p>
           <a:p>
             <a:pPr lvl="1"/>
             <a:r>
-              <a:rPr lang="en-US" smtClean="0"/>
+              <a:rPr lang="en-US"/>
               <a:t>Second level</a:t>
             </a:r>
           </a:p>
           <a:p>
             <a:pPr lvl="2"/>
             <a:r>
-              <a:rPr lang="en-US" smtClean="0"/>
+              <a:rPr lang="en-US"/>
               <a:t>Third level</a:t>
             </a:r>
           </a:p>
           <a:p>
             <a:pPr lvl="3"/>
             <a:r>
-              <a:rPr lang="en-US" smtClean="0"/>
+              <a:rPr lang="en-US"/>
               <a:t>Fourth level</a:t>
             </a:r>
           </a:p>
           <a:p>
             <a:pPr lvl="4"/>
             <a:r>
-              <a:rPr lang="en-US" smtClean="0"/>
+              <a:rPr lang="en-US"/>
               <a:t>Fifth level</a:t>
             </a:r>
             <a:endParaRPr lang="en-US" dirty="0"/>
@@ -1569,7 +1574,7 @@
           <a:p>
             <a:fld id="{19AB4D41-86C1-4908-B66A-0B50CEB3BF29}" type="datetimeFigureOut">
               <a:rPr lang="en-US" dirty="0"/>
-              <a:t>4/26/17</a:t>
+              <a:t>4/25/2017</a:t>
             </a:fld>
             <a:endParaRPr lang="en-US" dirty="0"/>
           </a:p>
@@ -1663,7 +1668,7 @@
           <a:lstStyle/>
           <a:p>
             <a:r>
-              <a:rPr lang="en-US" smtClean="0"/>
+              <a:rPr lang="en-US"/>
               <a:t>Click to edit Master title style</a:t>
             </a:r>
             <a:endParaRPr lang="en-US" dirty="0"/>
@@ -1735,7 +1740,7 @@
           <a:p>
             <a:pPr lvl="0"/>
             <a:r>
-              <a:rPr lang="en-US" smtClean="0"/>
+              <a:rPr lang="en-US"/>
               <a:t>Click to edit Master text styles</a:t>
             </a:r>
           </a:p>
@@ -1763,35 +1768,35 @@
           <a:p>
             <a:pPr lvl="0"/>
             <a:r>
-              <a:rPr lang="en-US" smtClean="0"/>
+              <a:rPr lang="en-US"/>
               <a:t>Click to edit Master text styles</a:t>
             </a:r>
           </a:p>
           <a:p>
             <a:pPr lvl="1"/>
             <a:r>
-              <a:rPr lang="en-US" smtClean="0"/>
+              <a:rPr lang="en-US"/>
               <a:t>Second level</a:t>
             </a:r>
           </a:p>
           <a:p>
             <a:pPr lvl="2"/>
             <a:r>
-              <a:rPr lang="en-US" smtClean="0"/>
+              <a:rPr lang="en-US"/>
               <a:t>Third level</a:t>
             </a:r>
           </a:p>
           <a:p>
             <a:pPr lvl="3"/>
             <a:r>
-              <a:rPr lang="en-US" smtClean="0"/>
+              <a:rPr lang="en-US"/>
               <a:t>Fourth level</a:t>
             </a:r>
           </a:p>
           <a:p>
             <a:pPr lvl="4"/>
             <a:r>
-              <a:rPr lang="en-US" smtClean="0"/>
+              <a:rPr lang="en-US"/>
               <a:t>Fifth level</a:t>
             </a:r>
             <a:endParaRPr lang="en-US" dirty="0"/>
@@ -1863,7 +1868,7 @@
           <a:p>
             <a:pPr lvl="0"/>
             <a:r>
-              <a:rPr lang="en-US" smtClean="0"/>
+              <a:rPr lang="en-US"/>
               <a:t>Click to edit Master text styles</a:t>
             </a:r>
           </a:p>
@@ -1891,35 +1896,35 @@
           <a:p>
             <a:pPr lvl="0"/>
             <a:r>
-              <a:rPr lang="en-US" smtClean="0"/>
+              <a:rPr lang="en-US"/>
               <a:t>Click to edit Master text styles</a:t>
             </a:r>
           </a:p>
           <a:p>
             <a:pPr lvl="1"/>
             <a:r>
-              <a:rPr lang="en-US" smtClean="0"/>
+              <a:rPr lang="en-US"/>
               <a:t>Second level</a:t>
             </a:r>
           </a:p>
           <a:p>
             <a:pPr lvl="2"/>
             <a:r>
-              <a:rPr lang="en-US" smtClean="0"/>
+              <a:rPr lang="en-US"/>
               <a:t>Third level</a:t>
             </a:r>
           </a:p>
           <a:p>
             <a:pPr lvl="3"/>
             <a:r>
-              <a:rPr lang="en-US" smtClean="0"/>
+              <a:rPr lang="en-US"/>
               <a:t>Fourth level</a:t>
             </a:r>
           </a:p>
           <a:p>
             <a:pPr lvl="4"/>
             <a:r>
-              <a:rPr lang="en-US" smtClean="0"/>
+              <a:rPr lang="en-US"/>
               <a:t>Fifth level</a:t>
             </a:r>
             <a:endParaRPr lang="en-US" dirty="0"/>
@@ -1943,7 +1948,7 @@
           <a:p>
             <a:fld id="{E6426E2C-56C1-4E0D-A793-0088A7FDD37E}" type="datetimeFigureOut">
               <a:rPr lang="en-US" dirty="0"/>
-              <a:t>4/26/17</a:t>
+              <a:t>4/25/2017</a:t>
             </a:fld>
             <a:endParaRPr lang="en-US" dirty="0"/>
           </a:p>
@@ -2032,7 +2037,7 @@
           <a:lstStyle/>
           <a:p>
             <a:r>
-              <a:rPr lang="en-US" smtClean="0"/>
+              <a:rPr lang="en-US"/>
               <a:t>Click to edit Master title style</a:t>
             </a:r>
             <a:endParaRPr lang="en-US" dirty="0"/>
@@ -2056,7 +2061,7 @@
           <a:p>
             <a:fld id="{C8C39B41-D8B5-4052-B551-9B5525EAA8B6}" type="datetimeFigureOut">
               <a:rPr lang="en-US" dirty="0"/>
-              <a:t>4/26/17</a:t>
+              <a:t>4/25/2017</a:t>
             </a:fld>
             <a:endParaRPr lang="en-US" dirty="0"/>
           </a:p>
@@ -2222,7 +2227,7 @@
           <a:p>
             <a:fld id="{4D94136C-8742-45B2-AF27-D93DF72833A9}" type="datetimeFigureOut">
               <a:rPr lang="en-US" dirty="0"/>
-              <a:t>4/26/17</a:t>
+              <a:t>4/25/2017</a:t>
             </a:fld>
             <a:endParaRPr lang="en-US" dirty="0"/>
           </a:p>
@@ -2411,7 +2416,7 @@
           </a:lstStyle>
           <a:p>
             <a:r>
-              <a:rPr lang="en-US" smtClean="0"/>
+              <a:rPr lang="en-US"/>
               <a:t>Click to edit Master title style</a:t>
             </a:r>
             <a:endParaRPr lang="en-US" dirty="0"/>
@@ -2440,35 +2445,35 @@
           <a:p>
             <a:pPr lvl="0"/>
             <a:r>
-              <a:rPr lang="en-US" smtClean="0"/>
+              <a:rPr lang="en-US"/>
               <a:t>Click to edit Master text styles</a:t>
             </a:r>
           </a:p>
           <a:p>
             <a:pPr lvl="1"/>
             <a:r>
-              <a:rPr lang="en-US" smtClean="0"/>
+              <a:rPr lang="en-US"/>
               <a:t>Second level</a:t>
             </a:r>
           </a:p>
           <a:p>
             <a:pPr lvl="2"/>
             <a:r>
-              <a:rPr lang="en-US" smtClean="0"/>
+              <a:rPr lang="en-US"/>
               <a:t>Third level</a:t>
             </a:r>
           </a:p>
           <a:p>
             <a:pPr lvl="3"/>
             <a:r>
-              <a:rPr lang="en-US" smtClean="0"/>
+              <a:rPr lang="en-US"/>
               <a:t>Fourth level</a:t>
             </a:r>
           </a:p>
           <a:p>
             <a:pPr lvl="4"/>
             <a:r>
-              <a:rPr lang="en-US" smtClean="0"/>
+              <a:rPr lang="en-US"/>
               <a:t>Fifth level</a:t>
             </a:r>
             <a:endParaRPr lang="en-US" dirty="0"/>
@@ -2540,7 +2545,7 @@
           <a:p>
             <a:pPr lvl="0"/>
             <a:r>
-              <a:rPr lang="en-US" smtClean="0"/>
+              <a:rPr lang="en-US"/>
               <a:t>Click to edit Master text styles</a:t>
             </a:r>
           </a:p>
@@ -2572,7 +2577,7 @@
           <a:p>
             <a:fld id="{32ABBEA6-7C60-4B02-AE87-00D78D8422AF}" type="datetimeFigureOut">
               <a:rPr lang="en-US" dirty="0"/>
-              <a:t>4/26/17</a:t>
+              <a:t>4/25/2017</a:t>
             </a:fld>
             <a:endParaRPr lang="en-US" dirty="0"/>
           </a:p>
@@ -2774,7 +2779,7 @@
           </a:lstStyle>
           <a:p>
             <a:r>
-              <a:rPr lang="en-US" smtClean="0"/>
+              <a:rPr lang="en-US"/>
               <a:t>Click to edit Master title style</a:t>
             </a:r>
             <a:endParaRPr lang="en-US" dirty="0"/>
@@ -2846,7 +2851,7 @@
           </a:lstStyle>
           <a:p>
             <a:r>
-              <a:rPr lang="en-US" smtClean="0"/>
+              <a:rPr lang="en-US"/>
               <a:t>Drag picture to placeholder or click icon to add</a:t>
             </a:r>
             <a:endParaRPr lang="en-US" dirty="0"/>
@@ -2924,7 +2929,7 @@
           <a:p>
             <a:pPr lvl="0"/>
             <a:r>
-              <a:rPr lang="en-US" smtClean="0"/>
+              <a:rPr lang="en-US"/>
               <a:t>Click to edit Master text styles</a:t>
             </a:r>
           </a:p>
@@ -2947,7 +2952,7 @@
           <a:p>
             <a:fld id="{C9CAD897-D46E-4AD2-BD9B-49DD3E640873}" type="datetimeFigureOut">
               <a:rPr lang="en-US" dirty="0"/>
-              <a:t>4/26/17</a:t>
+              <a:t>4/25/2017</a:t>
             </a:fld>
             <a:endParaRPr lang="en-US" dirty="0"/>
           </a:p>
@@ -3127,7 +3132,7 @@
           <a:lstStyle/>
           <a:p>
             <a:r>
-              <a:rPr lang="en-US" smtClean="0"/>
+              <a:rPr lang="en-US"/>
               <a:t>Click to edit Master title style</a:t>
             </a:r>
             <a:endParaRPr lang="en-US" dirty="0"/>
@@ -3161,35 +3166,35 @@
           <a:p>
             <a:pPr lvl="0"/>
             <a:r>
-              <a:rPr lang="en-US" smtClean="0"/>
+              <a:rPr lang="en-US"/>
               <a:t>Click to edit Master text styles</a:t>
             </a:r>
           </a:p>
           <a:p>
             <a:pPr lvl="1"/>
             <a:r>
-              <a:rPr lang="en-US" smtClean="0"/>
+              <a:rPr lang="en-US"/>
               <a:t>Second level</a:t>
             </a:r>
           </a:p>
           <a:p>
             <a:pPr lvl="2"/>
             <a:r>
-              <a:rPr lang="en-US" smtClean="0"/>
+              <a:rPr lang="en-US"/>
               <a:t>Third level</a:t>
             </a:r>
           </a:p>
           <a:p>
             <a:pPr lvl="3"/>
             <a:r>
-              <a:rPr lang="en-US" smtClean="0"/>
+              <a:rPr lang="en-US"/>
               <a:t>Fourth level</a:t>
             </a:r>
           </a:p>
           <a:p>
             <a:pPr lvl="4"/>
             <a:r>
-              <a:rPr lang="en-US" smtClean="0"/>
+              <a:rPr lang="en-US"/>
               <a:t>Fifth level</a:t>
             </a:r>
             <a:endParaRPr lang="en-US" dirty="0"/>
@@ -3229,7 +3234,7 @@
           <a:p>
             <a:fld id="{98624D31-43A5-475A-80CF-332C9F6DCF35}" type="datetimeFigureOut">
               <a:rPr lang="en-US" dirty="0"/>
-              <a:t>4/26/17</a:t>
+              <a:t>4/25/2017</a:t>
             </a:fld>
             <a:endParaRPr lang="en-US" dirty="0"/>
           </a:p>
@@ -3767,22 +3772,14 @@
           <a:p>
             <a:r>
               <a:rPr lang="en-US" dirty="0"/>
-              <a:t>Walmart </a:t>
-            </a:r>
-            <a:r>
-              <a:rPr lang="en-US" dirty="0" smtClean="0"/>
-              <a:t>Recruiting:</a:t>
+              <a:t>Walmart Recruiting:</a:t>
             </a:r>
             <a:br>
-              <a:rPr lang="en-US" dirty="0" smtClean="0"/>
+              <a:rPr lang="en-US" dirty="0"/>
             </a:br>
             <a:r>
-              <a:rPr lang="en-US" dirty="0" smtClean="0"/>
-              <a:t>Trip </a:t>
-            </a:r>
-            <a:r>
               <a:rPr lang="en-US" dirty="0"/>
-              <a:t>Type Classification</a:t>
+              <a:t>Trip Type Classification</a:t>
             </a:r>
           </a:p>
         </p:txBody>
@@ -3803,17 +3800,17 @@
           <a:lstStyle/>
           <a:p>
             <a:r>
-              <a:rPr lang="en-US" dirty="0" smtClean="0"/>
+              <a:rPr lang="en-US" dirty="0"/>
               <a:t>W207 FINAL PROJECT</a:t>
             </a:r>
           </a:p>
           <a:p>
             <a:r>
-              <a:rPr lang="en-US" dirty="0" smtClean="0"/>
+              <a:rPr lang="en-US" dirty="0"/>
               <a:t>Richard Hitchens, Daniel </a:t>
             </a:r>
             <a:r>
-              <a:rPr lang="en-US" dirty="0" err="1" smtClean="0"/>
+              <a:rPr lang="en-US" dirty="0" err="1"/>
               <a:t>Balck</a:t>
             </a:r>
             <a:endParaRPr lang="en-US" dirty="0"/>
@@ -3866,10 +3863,9 @@
           <a:lstStyle/>
           <a:p>
             <a:r>
-              <a:rPr lang="en-US" dirty="0" smtClean="0"/>
+              <a:rPr lang="en-US" dirty="0"/>
               <a:t>The Problem</a:t>
             </a:r>
-            <a:endParaRPr lang="en-US" dirty="0"/>
           </a:p>
         </p:txBody>
       </p:sp>
@@ -3888,16 +3884,12 @@
           <a:bodyPr/>
           <a:lstStyle/>
           <a:p>
-            <a:endParaRPr lang="en-US" sz="2800" i="1" dirty="0" smtClean="0"/>
-          </a:p>
-          <a:p>
-            <a:r>
-              <a:rPr lang="en-US" sz="2800" i="1" dirty="0" smtClean="0"/>
-              <a:t>Currently</a:t>
-            </a:r>
+            <a:endParaRPr lang="en-US" sz="2800" i="1" dirty="0"/>
+          </a:p>
+          <a:p>
             <a:r>
               <a:rPr lang="en-US" sz="2800" i="1" dirty="0"/>
-              <a:t>, Walmart's </a:t>
+              <a:t>Currently, Walmart's </a:t>
             </a:r>
             <a:r>
               <a:rPr lang="en-US" sz="2800" b="1" i="1" dirty="0"/>
@@ -3989,10 +3981,9 @@
           <a:lstStyle/>
           <a:p>
             <a:r>
-              <a:rPr lang="en-US" dirty="0" smtClean="0"/>
+              <a:rPr lang="en-US" dirty="0"/>
               <a:t>Feature Engineering</a:t>
             </a:r>
-            <a:endParaRPr lang="en-US" dirty="0"/>
           </a:p>
         </p:txBody>
       </p:sp>
@@ -4012,62 +4003,61 @@
           <a:lstStyle/>
           <a:p>
             <a:r>
-              <a:rPr lang="en-US" dirty="0" smtClean="0"/>
+              <a:rPr lang="en-US" dirty="0"/>
               <a:t>Day of week – Different style of trips likely occur on different days</a:t>
             </a:r>
           </a:p>
           <a:p>
             <a:r>
-              <a:rPr lang="en-US" dirty="0" smtClean="0"/>
+              <a:rPr lang="en-US" dirty="0"/>
               <a:t>Returned item – A returned item is likely associated with a smaller trip</a:t>
             </a:r>
           </a:p>
           <a:p>
             <a:r>
-              <a:rPr lang="en-US" dirty="0" smtClean="0"/>
+              <a:rPr lang="en-US" dirty="0"/>
               <a:t>Number of products – Number of products reflect magnitude of the trip</a:t>
             </a:r>
           </a:p>
           <a:p>
             <a:r>
-              <a:rPr lang="en-US" dirty="0" smtClean="0"/>
+              <a:rPr lang="en-US" dirty="0"/>
               <a:t>Product categories – Aggregation of number of products within department categories provided the best generalization</a:t>
             </a:r>
           </a:p>
           <a:p>
             <a:r>
-              <a:rPr lang="en-US" dirty="0" smtClean="0"/>
-              <a:t>Association rules -</a:t>
-            </a:r>
-          </a:p>
-          <a:p>
-            <a:r>
-              <a:rPr lang="en-US" dirty="0" smtClean="0"/>
+              <a:rPr lang="en-US" dirty="0"/>
+              <a:t>Association rules – Products that occur together can theoretically be grouped to narrow the feature space. In practice, few libraries in this area, and hand-rolled was not performant.</a:t>
+            </a:r>
+          </a:p>
+          <a:p>
+            <a:r>
+              <a:rPr lang="en-US" dirty="0"/>
               <a:t>Scaling – </a:t>
             </a:r>
             <a:r>
-              <a:rPr lang="en-US" dirty="0" err="1" smtClean="0"/>
+              <a:rPr lang="en-US" dirty="0" err="1"/>
               <a:t>AbsMaxScaler</a:t>
             </a:r>
             <a:r>
-              <a:rPr lang="en-US" dirty="0" smtClean="0"/>
+              <a:rPr lang="en-US" dirty="0"/>
               <a:t> used given data sparsity</a:t>
             </a:r>
           </a:p>
           <a:p>
             <a:r>
-              <a:rPr lang="en-US" dirty="0" smtClean="0"/>
+              <a:rPr lang="en-US" dirty="0"/>
               <a:t>Dimensionality reduction – </a:t>
             </a:r>
             <a:r>
-              <a:rPr lang="en-US" dirty="0" err="1" smtClean="0"/>
+              <a:rPr lang="en-US" dirty="0" err="1"/>
               <a:t>TruncatedSVD</a:t>
             </a:r>
             <a:r>
-              <a:rPr lang="en-US" dirty="0" smtClean="0"/>
+              <a:rPr lang="en-US" dirty="0"/>
               <a:t> used to perform PCA given data sparsity</a:t>
             </a:r>
-            <a:endParaRPr lang="en-US" dirty="0"/>
           </a:p>
         </p:txBody>
       </p:sp>
@@ -4117,10 +4107,9 @@
           <a:lstStyle/>
           <a:p>
             <a:r>
-              <a:rPr lang="en-US" dirty="0" smtClean="0"/>
+              <a:rPr lang="en-US" dirty="0"/>
               <a:t>Challenges</a:t>
             </a:r>
-            <a:endParaRPr lang="en-US" dirty="0"/>
           </a:p>
         </p:txBody>
       </p:sp>
@@ -4140,31 +4129,31 @@
           <a:lstStyle/>
           <a:p>
             <a:r>
-              <a:rPr lang="en-US" sz="2800" dirty="0" smtClean="0"/>
+              <a:rPr lang="en-US" sz="2800" dirty="0"/>
               <a:t>Data volume – 100,000 rows by 100,000 features</a:t>
             </a:r>
           </a:p>
           <a:p>
             <a:r>
-              <a:rPr lang="en-US" sz="2800" dirty="0" smtClean="0"/>
+              <a:rPr lang="en-US" sz="2800" dirty="0"/>
               <a:t>Data sparsity – Most products are not purchased </a:t>
             </a:r>
           </a:p>
           <a:p>
             <a:r>
-              <a:rPr lang="en-US" sz="2800" dirty="0" smtClean="0"/>
+              <a:rPr lang="en-US" sz="2800" dirty="0"/>
               <a:t>Feature construction – Most of the time spent on this</a:t>
             </a:r>
           </a:p>
           <a:p>
             <a:r>
-              <a:rPr lang="en-US" sz="2800" dirty="0" smtClean="0"/>
+              <a:rPr lang="en-US" sz="2800" dirty="0"/>
               <a:t>Feature selection/generalization – Large product set differences between train and test data sets.</a:t>
             </a:r>
           </a:p>
           <a:p>
             <a:r>
-              <a:rPr lang="en-US" sz="2800" dirty="0" smtClean="0"/>
+              <a:rPr lang="en-US" sz="2800" dirty="0"/>
               <a:t>Overfitting – Baskets typically contain core items consistent with the trip type, but also random noisy items making classification difficult </a:t>
             </a:r>
           </a:p>
@@ -4219,10 +4208,9 @@
           <a:lstStyle/>
           <a:p>
             <a:r>
-              <a:rPr lang="en-US" dirty="0" smtClean="0"/>
+              <a:rPr lang="en-US" dirty="0"/>
               <a:t>Best Model</a:t>
             </a:r>
-            <a:endParaRPr lang="en-US" dirty="0"/>
           </a:p>
         </p:txBody>
       </p:sp>
@@ -4242,49 +4230,49 @@
           <a:lstStyle/>
           <a:p>
             <a:r>
-              <a:rPr lang="en-US" sz="2800" dirty="0" smtClean="0"/>
+              <a:rPr lang="en-US" sz="2800" dirty="0"/>
               <a:t>Tested wide variety of models:</a:t>
             </a:r>
           </a:p>
           <a:p>
             <a:pPr lvl="1"/>
             <a:r>
-              <a:rPr lang="en-US" dirty="0" err="1" smtClean="0"/>
+              <a:rPr lang="en-US" dirty="0" err="1"/>
               <a:t>MultinomialNB</a:t>
             </a:r>
-            <a:endParaRPr lang="en-US" dirty="0" smtClean="0"/>
+            <a:endParaRPr lang="en-US" dirty="0"/>
           </a:p>
           <a:p>
             <a:pPr lvl="1"/>
             <a:r>
-              <a:rPr lang="en-US" dirty="0" smtClean="0"/>
+              <a:rPr lang="en-US" dirty="0"/>
               <a:t>Logistic Regression</a:t>
             </a:r>
           </a:p>
           <a:p>
             <a:pPr lvl="1"/>
             <a:r>
-              <a:rPr lang="en-US" dirty="0" smtClean="0"/>
+              <a:rPr lang="en-US" dirty="0"/>
               <a:t>Decision Tree</a:t>
             </a:r>
           </a:p>
           <a:p>
             <a:pPr lvl="1"/>
             <a:r>
-              <a:rPr lang="en-US" dirty="0" smtClean="0"/>
+              <a:rPr lang="en-US" dirty="0"/>
               <a:t>Random Forest</a:t>
             </a:r>
           </a:p>
           <a:p>
             <a:pPr lvl="1"/>
             <a:r>
-              <a:rPr lang="en-US" dirty="0" smtClean="0"/>
+              <a:rPr lang="en-US" dirty="0"/>
               <a:t>Gradient Boosting</a:t>
             </a:r>
           </a:p>
           <a:p>
             <a:r>
-              <a:rPr lang="en-US" sz="2800" dirty="0" smtClean="0"/>
+              <a:rPr lang="en-US" sz="2800" dirty="0"/>
               <a:t>The best model was Gradient Boosting. Given overfitting was a problem maximum depth of the tree was only 3.</a:t>
             </a:r>
           </a:p>
@@ -4336,32 +4324,35 @@
           <a:lstStyle/>
           <a:p>
             <a:r>
-              <a:rPr lang="en-US" dirty="0" smtClean="0"/>
+              <a:rPr lang="en-US" dirty="0"/>
               <a:t>Questions</a:t>
             </a:r>
-            <a:endParaRPr lang="en-US" dirty="0"/>
-          </a:p>
-        </p:txBody>
-      </p:sp>
-      <p:sp>
-        <p:nvSpPr>
-          <p:cNvPr id="3" name="Content Placeholder 2"/>
-          <p:cNvSpPr>
-            <a:spLocks noGrp="1"/>
-          </p:cNvSpPr>
+          </a:p>
+        </p:txBody>
+      </p:sp>
+      <p:pic>
+        <p:nvPicPr>
+          <p:cNvPr id="5" name="Content Placeholder 4"/>
+          <p:cNvPicPr>
+            <a:picLocks noGrp="1" noChangeAspect="1"/>
+          </p:cNvPicPr>
           <p:nvPr>
             <p:ph idx="1"/>
           </p:nvPr>
-        </p:nvSpPr>
-        <p:spPr/>
-        <p:txBody>
-          <a:bodyPr/>
-          <a:lstStyle/>
-          <a:p>
-            <a:endParaRPr lang="en-US" dirty="0"/>
-          </a:p>
-        </p:txBody>
-      </p:sp>
+        </p:nvPicPr>
+        <p:blipFill>
+          <a:blip r:embed="rId2"/>
+          <a:stretch>
+            <a:fillRect/>
+          </a:stretch>
+        </p:blipFill>
+        <p:spPr>
+          <a:xfrm>
+            <a:off x="4085882" y="1737360"/>
+            <a:ext cx="4081195" cy="4264849"/>
+          </a:xfrm>
+        </p:spPr>
+      </p:pic>
     </p:spTree>
     <p:extLst>
       <p:ext uri="{BB962C8B-B14F-4D97-AF65-F5344CB8AC3E}">

--- a/Final_project.pptx
+++ b/Final_project.pptx
@@ -343,7 +343,7 @@
           <a:p>
             <a:fld id="{4BDF68E2-58F2-4D09-BE8B-E3BD06533059}" type="datetimeFigureOut">
               <a:rPr lang="en-US" dirty="0"/>
-              <a:t>4/25/2017</a:t>
+              <a:t>4/26/17</a:t>
             </a:fld>
             <a:endParaRPr lang="en-US" dirty="0"/>
           </a:p>
@@ -546,7 +546,7 @@
           <a:p>
             <a:fld id="{2E2D6473-DF6D-4702-B328-E0DD40540A4E}" type="datetimeFigureOut">
               <a:rPr lang="en-US" dirty="0"/>
-              <a:t>4/25/2017</a:t>
+              <a:t>4/26/17</a:t>
             </a:fld>
             <a:endParaRPr lang="en-US" dirty="0"/>
           </a:p>
@@ -797,7 +797,7 @@
           <a:p>
             <a:fld id="{E26F7E3A-B166-407D-9866-32884E7D5B37}" type="datetimeFigureOut">
               <a:rPr lang="en-US" dirty="0"/>
-              <a:t>4/25/2017</a:t>
+              <a:t>4/26/17</a:t>
             </a:fld>
             <a:endParaRPr lang="en-US" dirty="0"/>
           </a:p>
@@ -966,7 +966,7 @@
           <a:p>
             <a:fld id="{528FC5F6-F338-4AE4-BB23-26385BCFC423}" type="datetimeFigureOut">
               <a:rPr lang="en-US" dirty="0"/>
-              <a:t>4/25/2017</a:t>
+              <a:t>4/26/17</a:t>
             </a:fld>
             <a:endParaRPr lang="en-US" dirty="0"/>
           </a:p>
@@ -1304,7 +1304,7 @@
           <a:p>
             <a:fld id="{20EBB0C4-6273-4C6E-B9BD-2EDC30F1CD52}" type="datetimeFigureOut">
               <a:rPr lang="en-US" dirty="0"/>
-              <a:t>4/25/2017</a:t>
+              <a:t>4/26/17</a:t>
             </a:fld>
             <a:endParaRPr lang="en-US" dirty="0"/>
           </a:p>
@@ -1574,7 +1574,7 @@
           <a:p>
             <a:fld id="{19AB4D41-86C1-4908-B66A-0B50CEB3BF29}" type="datetimeFigureOut">
               <a:rPr lang="en-US" dirty="0"/>
-              <a:t>4/25/2017</a:t>
+              <a:t>4/26/17</a:t>
             </a:fld>
             <a:endParaRPr lang="en-US" dirty="0"/>
           </a:p>
@@ -1948,7 +1948,7 @@
           <a:p>
             <a:fld id="{E6426E2C-56C1-4E0D-A793-0088A7FDD37E}" type="datetimeFigureOut">
               <a:rPr lang="en-US" dirty="0"/>
-              <a:t>4/25/2017</a:t>
+              <a:t>4/26/17</a:t>
             </a:fld>
             <a:endParaRPr lang="en-US" dirty="0"/>
           </a:p>
@@ -2061,7 +2061,7 @@
           <a:p>
             <a:fld id="{C8C39B41-D8B5-4052-B551-9B5525EAA8B6}" type="datetimeFigureOut">
               <a:rPr lang="en-US" dirty="0"/>
-              <a:t>4/25/2017</a:t>
+              <a:t>4/26/17</a:t>
             </a:fld>
             <a:endParaRPr lang="en-US" dirty="0"/>
           </a:p>
@@ -2227,7 +2227,7 @@
           <a:p>
             <a:fld id="{4D94136C-8742-45B2-AF27-D93DF72833A9}" type="datetimeFigureOut">
               <a:rPr lang="en-US" dirty="0"/>
-              <a:t>4/25/2017</a:t>
+              <a:t>4/26/17</a:t>
             </a:fld>
             <a:endParaRPr lang="en-US" dirty="0"/>
           </a:p>
@@ -2577,7 +2577,7 @@
           <a:p>
             <a:fld id="{32ABBEA6-7C60-4B02-AE87-00D78D8422AF}" type="datetimeFigureOut">
               <a:rPr lang="en-US" dirty="0"/>
-              <a:t>4/25/2017</a:t>
+              <a:t>4/26/17</a:t>
             </a:fld>
             <a:endParaRPr lang="en-US" dirty="0"/>
           </a:p>
@@ -2952,7 +2952,7 @@
           <a:p>
             <a:fld id="{C9CAD897-D46E-4AD2-BD9B-49DD3E640873}" type="datetimeFigureOut">
               <a:rPr lang="en-US" dirty="0"/>
-              <a:t>4/25/2017</a:t>
+              <a:t>4/26/17</a:t>
             </a:fld>
             <a:endParaRPr lang="en-US" dirty="0"/>
           </a:p>
@@ -3234,7 +3234,7 @@
           <a:p>
             <a:fld id="{98624D31-43A5-475A-80CF-332C9F6DCF35}" type="datetimeFigureOut">
               <a:rPr lang="en-US" dirty="0"/>
-              <a:t>4/25/2017</a:t>
+              <a:t>4/26/17</a:t>
             </a:fld>
             <a:endParaRPr lang="en-US" dirty="0"/>
           </a:p>
@@ -4273,8 +4273,19 @@
           <a:p>
             <a:r>
               <a:rPr lang="en-US" sz="2800" dirty="0"/>
-              <a:t>The best model was Gradient Boosting. Given overfitting was a problem maximum depth of the tree was only 3.</a:t>
-            </a:r>
+              <a:t>The best model was Gradient Boosting. Given overfitting was a problem maximum depth of the tree was only 3</a:t>
+            </a:r>
+            <a:r>
+              <a:rPr lang="en-US" sz="2800" dirty="0" smtClean="0"/>
+              <a:t>.</a:t>
+            </a:r>
+          </a:p>
+          <a:p>
+            <a:r>
+              <a:rPr lang="en-US" sz="2800" dirty="0" smtClean="0"/>
+              <a:t>Improved log-loss score from baseline 3.15 to 0.91. The winner scored 0.48. Might need to take W261 Machine Learning at Scale!</a:t>
+            </a:r>
+            <a:endParaRPr lang="en-US" sz="2800" dirty="0"/>
           </a:p>
         </p:txBody>
       </p:sp>
